--- a/ISP Presentation.pptx
+++ b/ISP Presentation.pptx
@@ -5584,8 +5584,8 @@
         </p:nvSpPr>
         <p:spPr>
           <a:xfrm>
-            <a:off x="4703772" y="3175383"/>
-            <a:ext cx="2146693" cy="830997"/>
+            <a:off x="4816084" y="3364008"/>
+            <a:ext cx="2146693" cy="707886"/>
           </a:xfrm>
           <a:prstGeom prst="rect">
             <a:avLst/>
@@ -5598,7 +5598,7 @@
           <a:lstStyle/>
           <a:p>
             <a:r>
-              <a:rPr lang="en-MY" sz="2400" dirty="0">
+              <a:rPr lang="en-MY" sz="2000" dirty="0">
                 <a:solidFill>
                   <a:srgbClr val="25516C"/>
                 </a:solidFill>
@@ -5612,7 +5612,7 @@
           </a:p>
           <a:p>
             <a:r>
-              <a:rPr lang="en-MY" sz="2400" dirty="0">
+              <a:rPr lang="en-MY" sz="2000" dirty="0">
                 <a:solidFill>
                   <a:srgbClr val="25516C"/>
                 </a:solidFill>
@@ -5623,15 +5623,294 @@
               </a:rPr>
               <a:t>SCPG1600751</a:t>
             </a:r>
-            <a:endParaRPr lang="en-MY" sz="2400" dirty="0">
-              <a:solidFill>
-                <a:srgbClr val="25516C"/>
-              </a:solidFill>
-              <a:latin typeface="Source Sans Pro"/>
-              <a:ea typeface="Source Sans Pro"/>
-              <a:cs typeface="Source Sans Pro"/>
-              <a:sym typeface="Source Sans Pro"/>
-            </a:endParaRPr>
+          </a:p>
+        </p:txBody>
+      </p:sp>
+      <p:sp>
+        <p:nvSpPr>
+          <p:cNvPr id="11" name="Google Shape;70;p13"/>
+          <p:cNvSpPr txBox="1">
+            <a:spLocks/>
+          </p:cNvSpPr>
+          <p:nvPr/>
+        </p:nvSpPr>
+        <p:spPr>
+          <a:xfrm>
+            <a:off x="1139200" y="835121"/>
+            <a:ext cx="6865800" cy="398948"/>
+          </a:xfrm>
+          <a:prstGeom prst="rect">
+            <a:avLst/>
+          </a:prstGeom>
+          <a:noFill/>
+          <a:ln>
+            <a:noFill/>
+          </a:ln>
+        </p:spPr>
+        <p:txBody>
+          <a:bodyPr spcFirstLastPara="1" wrap="square" lIns="91425" tIns="91425" rIns="91425" bIns="91425" anchor="b" anchorCtr="0">
+            <a:noAutofit/>
+          </a:bodyPr>
+          <a:lstStyle>
+            <a:defPPr marR="0" lvl="0" algn="l" rtl="0">
+              <a:lnSpc>
+                <a:spcPct val="100000"/>
+              </a:lnSpc>
+              <a:spcBef>
+                <a:spcPts val="0"/>
+              </a:spcBef>
+              <a:spcAft>
+                <a:spcPts val="0"/>
+              </a:spcAft>
+            </a:defPPr>
+            <a:lvl1pPr marR="0" lvl="0" algn="l" rtl="0">
+              <a:lnSpc>
+                <a:spcPct val="100000"/>
+              </a:lnSpc>
+              <a:spcBef>
+                <a:spcPts val="0"/>
+              </a:spcBef>
+              <a:spcAft>
+                <a:spcPts val="0"/>
+              </a:spcAft>
+              <a:buClr>
+                <a:srgbClr val="FFFFFF"/>
+              </a:buClr>
+              <a:buSzPts val="3600"/>
+              <a:buFont typeface="Montserrat"/>
+              <a:buNone/>
+              <a:defRPr sz="3600" b="1" i="0" u="none" strike="noStrike" cap="none">
+                <a:solidFill>
+                  <a:srgbClr val="FFFFFF"/>
+                </a:solidFill>
+                <a:latin typeface="Montserrat"/>
+                <a:ea typeface="Montserrat"/>
+                <a:cs typeface="Montserrat"/>
+                <a:sym typeface="Montserrat"/>
+              </a:defRPr>
+            </a:lvl1pPr>
+            <a:lvl2pPr marR="0" lvl="1" algn="l" rtl="0">
+              <a:lnSpc>
+                <a:spcPct val="100000"/>
+              </a:lnSpc>
+              <a:spcBef>
+                <a:spcPts val="0"/>
+              </a:spcBef>
+              <a:spcAft>
+                <a:spcPts val="0"/>
+              </a:spcAft>
+              <a:buClr>
+                <a:srgbClr val="FFFFFF"/>
+              </a:buClr>
+              <a:buSzPts val="3600"/>
+              <a:buFont typeface="Montserrat"/>
+              <a:buNone/>
+              <a:defRPr sz="3600" b="1" i="0" u="none" strike="noStrike" cap="none">
+                <a:solidFill>
+                  <a:srgbClr val="FFFFFF"/>
+                </a:solidFill>
+                <a:latin typeface="Montserrat"/>
+                <a:ea typeface="Montserrat"/>
+                <a:cs typeface="Montserrat"/>
+                <a:sym typeface="Montserrat"/>
+              </a:defRPr>
+            </a:lvl2pPr>
+            <a:lvl3pPr marR="0" lvl="2" algn="l" rtl="0">
+              <a:lnSpc>
+                <a:spcPct val="100000"/>
+              </a:lnSpc>
+              <a:spcBef>
+                <a:spcPts val="0"/>
+              </a:spcBef>
+              <a:spcAft>
+                <a:spcPts val="0"/>
+              </a:spcAft>
+              <a:buClr>
+                <a:srgbClr val="FFFFFF"/>
+              </a:buClr>
+              <a:buSzPts val="3600"/>
+              <a:buFont typeface="Montserrat"/>
+              <a:buNone/>
+              <a:defRPr sz="3600" b="1" i="0" u="none" strike="noStrike" cap="none">
+                <a:solidFill>
+                  <a:srgbClr val="FFFFFF"/>
+                </a:solidFill>
+                <a:latin typeface="Montserrat"/>
+                <a:ea typeface="Montserrat"/>
+                <a:cs typeface="Montserrat"/>
+                <a:sym typeface="Montserrat"/>
+              </a:defRPr>
+            </a:lvl3pPr>
+            <a:lvl4pPr marR="0" lvl="3" algn="l" rtl="0">
+              <a:lnSpc>
+                <a:spcPct val="100000"/>
+              </a:lnSpc>
+              <a:spcBef>
+                <a:spcPts val="0"/>
+              </a:spcBef>
+              <a:spcAft>
+                <a:spcPts val="0"/>
+              </a:spcAft>
+              <a:buClr>
+                <a:srgbClr val="FFFFFF"/>
+              </a:buClr>
+              <a:buSzPts val="3600"/>
+              <a:buFont typeface="Montserrat"/>
+              <a:buNone/>
+              <a:defRPr sz="3600" b="1" i="0" u="none" strike="noStrike" cap="none">
+                <a:solidFill>
+                  <a:srgbClr val="FFFFFF"/>
+                </a:solidFill>
+                <a:latin typeface="Montserrat"/>
+                <a:ea typeface="Montserrat"/>
+                <a:cs typeface="Montserrat"/>
+                <a:sym typeface="Montserrat"/>
+              </a:defRPr>
+            </a:lvl4pPr>
+            <a:lvl5pPr marR="0" lvl="4" algn="l" rtl="0">
+              <a:lnSpc>
+                <a:spcPct val="100000"/>
+              </a:lnSpc>
+              <a:spcBef>
+                <a:spcPts val="0"/>
+              </a:spcBef>
+              <a:spcAft>
+                <a:spcPts val="0"/>
+              </a:spcAft>
+              <a:buClr>
+                <a:srgbClr val="FFFFFF"/>
+              </a:buClr>
+              <a:buSzPts val="3600"/>
+              <a:buFont typeface="Montserrat"/>
+              <a:buNone/>
+              <a:defRPr sz="3600" b="1" i="0" u="none" strike="noStrike" cap="none">
+                <a:solidFill>
+                  <a:srgbClr val="FFFFFF"/>
+                </a:solidFill>
+                <a:latin typeface="Montserrat"/>
+                <a:ea typeface="Montserrat"/>
+                <a:cs typeface="Montserrat"/>
+                <a:sym typeface="Montserrat"/>
+              </a:defRPr>
+            </a:lvl5pPr>
+            <a:lvl6pPr marR="0" lvl="5" algn="l" rtl="0">
+              <a:lnSpc>
+                <a:spcPct val="100000"/>
+              </a:lnSpc>
+              <a:spcBef>
+                <a:spcPts val="0"/>
+              </a:spcBef>
+              <a:spcAft>
+                <a:spcPts val="0"/>
+              </a:spcAft>
+              <a:buClr>
+                <a:srgbClr val="FFFFFF"/>
+              </a:buClr>
+              <a:buSzPts val="3600"/>
+              <a:buFont typeface="Montserrat"/>
+              <a:buNone/>
+              <a:defRPr sz="3600" b="1" i="0" u="none" strike="noStrike" cap="none">
+                <a:solidFill>
+                  <a:srgbClr val="FFFFFF"/>
+                </a:solidFill>
+                <a:latin typeface="Montserrat"/>
+                <a:ea typeface="Montserrat"/>
+                <a:cs typeface="Montserrat"/>
+                <a:sym typeface="Montserrat"/>
+              </a:defRPr>
+            </a:lvl6pPr>
+            <a:lvl7pPr marR="0" lvl="6" algn="l" rtl="0">
+              <a:lnSpc>
+                <a:spcPct val="100000"/>
+              </a:lnSpc>
+              <a:spcBef>
+                <a:spcPts val="0"/>
+              </a:spcBef>
+              <a:spcAft>
+                <a:spcPts val="0"/>
+              </a:spcAft>
+              <a:buClr>
+                <a:srgbClr val="FFFFFF"/>
+              </a:buClr>
+              <a:buSzPts val="3600"/>
+              <a:buFont typeface="Montserrat"/>
+              <a:buNone/>
+              <a:defRPr sz="3600" b="1" i="0" u="none" strike="noStrike" cap="none">
+                <a:solidFill>
+                  <a:srgbClr val="FFFFFF"/>
+                </a:solidFill>
+                <a:latin typeface="Montserrat"/>
+                <a:ea typeface="Montserrat"/>
+                <a:cs typeface="Montserrat"/>
+                <a:sym typeface="Montserrat"/>
+              </a:defRPr>
+            </a:lvl7pPr>
+            <a:lvl8pPr marR="0" lvl="7" algn="l" rtl="0">
+              <a:lnSpc>
+                <a:spcPct val="100000"/>
+              </a:lnSpc>
+              <a:spcBef>
+                <a:spcPts val="0"/>
+              </a:spcBef>
+              <a:spcAft>
+                <a:spcPts val="0"/>
+              </a:spcAft>
+              <a:buClr>
+                <a:srgbClr val="FFFFFF"/>
+              </a:buClr>
+              <a:buSzPts val="3600"/>
+              <a:buFont typeface="Montserrat"/>
+              <a:buNone/>
+              <a:defRPr sz="3600" b="1" i="0" u="none" strike="noStrike" cap="none">
+                <a:solidFill>
+                  <a:srgbClr val="FFFFFF"/>
+                </a:solidFill>
+                <a:latin typeface="Montserrat"/>
+                <a:ea typeface="Montserrat"/>
+                <a:cs typeface="Montserrat"/>
+                <a:sym typeface="Montserrat"/>
+              </a:defRPr>
+            </a:lvl8pPr>
+            <a:lvl9pPr marR="0" lvl="8" algn="l" rtl="0">
+              <a:lnSpc>
+                <a:spcPct val="100000"/>
+              </a:lnSpc>
+              <a:spcBef>
+                <a:spcPts val="0"/>
+              </a:spcBef>
+              <a:spcAft>
+                <a:spcPts val="0"/>
+              </a:spcAft>
+              <a:buClr>
+                <a:srgbClr val="FFFFFF"/>
+              </a:buClr>
+              <a:buSzPts val="3600"/>
+              <a:buFont typeface="Montserrat"/>
+              <a:buNone/>
+              <a:defRPr sz="3600" b="1" i="0" u="none" strike="noStrike" cap="none">
+                <a:solidFill>
+                  <a:srgbClr val="FFFFFF"/>
+                </a:solidFill>
+                <a:latin typeface="Montserrat"/>
+                <a:ea typeface="Montserrat"/>
+                <a:cs typeface="Montserrat"/>
+                <a:sym typeface="Montserrat"/>
+              </a:defRPr>
+            </a:lvl9pPr>
+          </a:lstStyle>
+          <a:p>
+            <a:r>
+              <a:rPr lang="en-MY" sz="1600" dirty="0"/>
+              <a:t>INTEGRATED </a:t>
+            </a:r>
+            <a:r>
+              <a:rPr lang="en-MY" sz="1600" dirty="0" smtClean="0"/>
+              <a:t>SYSTEM PROJECT (IT299N</a:t>
+            </a:r>
+            <a:r>
+              <a:rPr lang="en-MY" sz="1600" dirty="0"/>
+              <a:t>)</a:t>
+            </a:r>
           </a:p>
         </p:txBody>
       </p:sp>
@@ -5692,24 +5971,51 @@
           </a:bodyPr>
           <a:lstStyle/>
           <a:p>
-            <a:pPr marL="0" lvl="0" indent="0">
+            <a:pPr marL="0" indent="0">
               <a:buNone/>
             </a:pPr>
+            <a:r>
+              <a:rPr lang="en-MY" b="1" u="sng" dirty="0" err="1" smtClean="0"/>
+              <a:t>LiveTee</a:t>
+            </a:r>
+            <a:endParaRPr lang="en-MY" b="1" u="sng" dirty="0" smtClean="0"/>
+          </a:p>
+          <a:p>
+            <a:pPr marL="342900" indent="-342900"/>
             <a:r>
               <a:rPr lang="en-MY" dirty="0" smtClean="0"/>
               <a:t>Founded </a:t>
             </a:r>
             <a:r>
               <a:rPr lang="en-MY" dirty="0"/>
-              <a:t>in 2012, </a:t>
-            </a:r>
-            <a:r>
-              <a:rPr lang="en-MY" dirty="0" err="1"/>
-              <a:t>LiveTee</a:t>
+              <a:t>in </a:t>
+            </a:r>
+            <a:r>
+              <a:rPr lang="en-MY" dirty="0" smtClean="0"/>
+              <a:t>2012</a:t>
+            </a:r>
+          </a:p>
+          <a:p>
+            <a:pPr marL="342900" indent="-342900"/>
+            <a:r>
+              <a:rPr lang="en-MY" dirty="0" smtClean="0"/>
+              <a:t>A </a:t>
             </a:r>
             <a:r>
               <a:rPr lang="en-MY" dirty="0"/>
-              <a:t> is a multinational clothing-retail company that based in Malaysia.</a:t>
+              <a:t>multinational </a:t>
+            </a:r>
+            <a:r>
+              <a:rPr lang="en-MY" b="1" dirty="0"/>
+              <a:t>clothing-retail company</a:t>
+            </a:r>
+            <a:r>
+              <a:rPr lang="en-MY" dirty="0"/>
+              <a:t> that based in </a:t>
+            </a:r>
+            <a:r>
+              <a:rPr lang="en-MY" dirty="0" smtClean="0"/>
+              <a:t>Malaysia</a:t>
             </a:r>
             <a:endParaRPr dirty="0"/>
           </a:p>
@@ -5785,13 +6091,13 @@
             <a:pPr lvl="0"/>
             <a:r>
               <a:rPr lang="en-MY" dirty="0"/>
-              <a:t>Company </a:t>
+              <a:t>Brief </a:t>
             </a:r>
             <a:r>
               <a:rPr lang="en-MY" dirty="0" smtClean="0"/>
-              <a:t>Introduction</a:t>
-            </a:r>
-            <a:endParaRPr dirty="0"/>
+              <a:t>Info about Company</a:t>
+            </a:r>
+            <a:endParaRPr lang="en-MY" dirty="0"/>
           </a:p>
         </p:txBody>
       </p:sp>
@@ -5943,12 +6249,16 @@
           <a:p>
             <a:pPr lvl="0"/>
             <a:r>
-              <a:rPr lang="en-MY" sz="2000" dirty="0" smtClean="0"/>
-              <a:t>Admin </a:t>
+              <a:rPr lang="en-US" altLang="zh-CN" sz="2000" smtClean="0"/>
+              <a:t>Customers </a:t>
+            </a:r>
+            <a:r>
+              <a:rPr lang="en-MY" sz="2000" smtClean="0"/>
+              <a:t>are </a:t>
             </a:r>
             <a:r>
               <a:rPr lang="en-MY" sz="2000" dirty="0"/>
-              <a:t>and staff are not able to </a:t>
+              <a:t>not able to </a:t>
             </a:r>
             <a:r>
               <a:rPr lang="en-MY" sz="2000" b="1" dirty="0"/>
@@ -6201,6 +6511,13 @@
             <a:r>
               <a:rPr lang="en-MY" sz="2000" b="1" dirty="0" smtClean="0"/>
               <a:t>Review system</a:t>
+            </a:r>
+          </a:p>
+          <a:p>
+            <a:pPr lvl="0"/>
+            <a:r>
+              <a:rPr lang="en-MY" sz="2000" b="1" dirty="0" smtClean="0"/>
+              <a:t>Order management</a:t>
             </a:r>
           </a:p>
           <a:p>
@@ -6340,8 +6657,12 @@
               <a:t>Objective</a:t>
             </a:r>
             <a:r>
+              <a:rPr lang="en-MY" dirty="0" smtClean="0"/>
+              <a:t> </a:t>
+            </a:r>
+            <a:r>
               <a:rPr lang="en-MY" dirty="0"/>
-              <a:t> of the Proposed </a:t>
+              <a:t>of the Proposed </a:t>
             </a:r>
             <a:r>
               <a:rPr lang="en-MY" dirty="0" smtClean="0"/>
@@ -7421,7 +7742,59 @@
           </a:bodyPr>
           <a:lstStyle/>
           <a:p>
-            <a:pPr lvl="0"/>
+            <a:pPr marL="76200" lvl="0" indent="0">
+              <a:buNone/>
+            </a:pPr>
+            <a:r>
+              <a:rPr lang="en-MY" sz="2000" b="1" i="1" dirty="0" smtClean="0"/>
+              <a:t>Future enhancements</a:t>
+            </a:r>
+          </a:p>
+          <a:p>
+            <a:r>
+              <a:rPr lang="en-MY" sz="2000" dirty="0" smtClean="0"/>
+              <a:t>Generated sales </a:t>
+            </a:r>
+            <a:r>
+              <a:rPr lang="en-MY" sz="2000" dirty="0"/>
+              <a:t>report </a:t>
+            </a:r>
+            <a:r>
+              <a:rPr lang="en-MY" sz="2000" dirty="0" smtClean="0"/>
+              <a:t>with sales </a:t>
+            </a:r>
+            <a:r>
+              <a:rPr lang="en-MY" sz="2000" dirty="0"/>
+              <a:t>and revenue of each </a:t>
+            </a:r>
+            <a:r>
+              <a:rPr lang="en-MY" sz="2000" dirty="0" smtClean="0"/>
+              <a:t>item</a:t>
+            </a:r>
+          </a:p>
+          <a:p>
+            <a:r>
+              <a:rPr lang="en-MY" sz="2000" dirty="0" smtClean="0"/>
+              <a:t>Tables should </a:t>
+            </a:r>
+            <a:r>
+              <a:rPr lang="en-MY" sz="2000" dirty="0"/>
+              <a:t>be able to sort by clicking on the table </a:t>
+            </a:r>
+            <a:r>
+              <a:rPr lang="en-MY" sz="2000" dirty="0" smtClean="0"/>
+              <a:t>headers</a:t>
+            </a:r>
+          </a:p>
+          <a:p>
+            <a:r>
+              <a:rPr lang="en-MY" sz="2000" dirty="0" smtClean="0"/>
+              <a:t>Enable admins </a:t>
+            </a:r>
+            <a:r>
+              <a:rPr lang="en-MY" sz="2000" dirty="0"/>
+              <a:t>to check all of the reviews by the costumer</a:t>
+            </a:r>
             <a:endParaRPr sz="2000" dirty="0"/>
           </a:p>
         </p:txBody>
